--- a/docs/화면_설계서.pptx
+++ b/docs/화면_설계서.pptx
@@ -4167,7 +4167,7 @@
           <a:p>
             <a:fld id="{98FBB39A-9110-43FD-8DF2-684D1523A0BC}" type="datetime1">
               <a:rPr lang="ko-KR" altLang="en-US" smtClean="0"/>
-              <a:t>2022-11-24</a:t>
+              <a:t>2022-11-28</a:t>
             </a:fld>
             <a:endParaRPr lang="ko-KR" altLang="en-US"/>
           </a:p>
@@ -10151,7 +10151,7 @@
         </p:nvGraphicFramePr>
         <p:xfrm>
           <a:off x="1055440" y="1268760"/>
-          <a:ext cx="9796258" cy="3068131"/>
+          <a:ext cx="9796258" cy="3070481"/>
         </p:xfrm>
         <a:graphic>
           <a:graphicData uri="http://schemas.openxmlformats.org/drawingml/2006/table">
@@ -11322,13 +11322,13 @@
           <p:nvPr>
             <p:extLst>
               <p:ext uri="{D42A27DB-BD31-4B8C-83A1-F6EECF244321}">
-                <p14:modId xmlns:p14="http://schemas.microsoft.com/office/powerpoint/2010/main" val="1290010813"/>
+                <p14:modId xmlns:p14="http://schemas.microsoft.com/office/powerpoint/2010/main" val="2349588495"/>
               </p:ext>
             </p:extLst>
           </p:nvPr>
         </p:nvGraphicFramePr>
         <p:xfrm>
-          <a:off x="1632893" y="1690859"/>
+          <a:off x="2711624" y="1628800"/>
           <a:ext cx="6580017" cy="3960440"/>
         </p:xfrm>
         <a:graphic>
@@ -11838,7 +11838,7 @@
         </p:nvSpPr>
         <p:spPr>
           <a:xfrm>
-            <a:off x="2207568" y="2329505"/>
+            <a:off x="3286299" y="2267446"/>
             <a:ext cx="1008112" cy="245348"/>
           </a:xfrm>
           <a:prstGeom prst="flowChartTerminator">
@@ -11909,7 +11909,7 @@
         </p:nvSpPr>
         <p:spPr>
           <a:xfrm>
-            <a:off x="1731225" y="3090825"/>
+            <a:off x="2809956" y="3028766"/>
             <a:ext cx="899543" cy="245348"/>
           </a:xfrm>
           <a:prstGeom prst="flowChartProcess">
@@ -11977,7 +11977,7 @@
         </p:nvCxnSpPr>
         <p:spPr>
           <a:xfrm flipH="1">
-            <a:off x="2180997" y="2574853"/>
+            <a:off x="3259728" y="2512794"/>
             <a:ext cx="530627" cy="515972"/>
           </a:xfrm>
           <a:prstGeom prst="straightConnector1">
@@ -12026,7 +12026,7 @@
         </p:nvCxnSpPr>
         <p:spPr>
           <a:xfrm>
-            <a:off x="2180997" y="3336173"/>
+            <a:off x="3259728" y="3274114"/>
             <a:ext cx="0" cy="430065"/>
           </a:xfrm>
           <a:prstGeom prst="straightConnector1">
@@ -12072,7 +12072,7 @@
         </p:nvSpPr>
         <p:spPr>
           <a:xfrm flipV="1">
-            <a:off x="2052905" y="3827089"/>
+            <a:off x="3131636" y="3765030"/>
             <a:ext cx="238432" cy="230608"/>
           </a:xfrm>
           <a:prstGeom prst="flowChartConnector">
@@ -12128,7 +12128,7 @@
         </p:nvSpPr>
         <p:spPr>
           <a:xfrm>
-            <a:off x="4398699" y="2329505"/>
+            <a:off x="5477430" y="2267446"/>
             <a:ext cx="1008112" cy="245348"/>
           </a:xfrm>
           <a:prstGeom prst="flowChartProcess">
@@ -12195,7 +12195,7 @@
         </p:nvCxnSpPr>
         <p:spPr>
           <a:xfrm rot="5400000" flipH="1" flipV="1">
-            <a:off x="2392192" y="2232108"/>
+            <a:off x="3470923" y="2170049"/>
             <a:ext cx="1774850" cy="2214993"/>
           </a:xfrm>
           <a:prstGeom prst="bentConnector4">
@@ -12244,7 +12244,7 @@
         </p:nvSpPr>
         <p:spPr>
           <a:xfrm>
-            <a:off x="4398699" y="2761553"/>
+            <a:off x="5477430" y="2699494"/>
             <a:ext cx="1008112" cy="245348"/>
           </a:xfrm>
           <a:prstGeom prst="flowChartProcess">
@@ -12308,7 +12308,7 @@
         </p:nvSpPr>
         <p:spPr>
           <a:xfrm>
-            <a:off x="4398699" y="3626981"/>
+            <a:off x="5477430" y="3564922"/>
             <a:ext cx="1008112" cy="245348"/>
           </a:xfrm>
           <a:prstGeom prst="flowChartProcess">
@@ -12372,7 +12372,7 @@
         </p:nvSpPr>
         <p:spPr>
           <a:xfrm>
-            <a:off x="4398699" y="4057697"/>
+            <a:off x="5477430" y="3995638"/>
             <a:ext cx="1008112" cy="245348"/>
           </a:xfrm>
           <a:prstGeom prst="flowChartProcess">
@@ -12440,7 +12440,7 @@
         </p:nvCxnSpPr>
         <p:spPr>
           <a:xfrm>
-            <a:off x="4902755" y="2574853"/>
+            <a:off x="5981486" y="2512794"/>
             <a:ext cx="0" cy="186700"/>
           </a:xfrm>
           <a:prstGeom prst="straightConnector1">
@@ -12490,7 +12490,7 @@
         </p:nvCxnSpPr>
         <p:spPr>
           <a:xfrm>
-            <a:off x="4902755" y="3006901"/>
+            <a:off x="5981486" y="2944842"/>
             <a:ext cx="0" cy="192124"/>
           </a:xfrm>
           <a:prstGeom prst="straightConnector1">
@@ -12536,7 +12536,7 @@
         </p:nvSpPr>
         <p:spPr>
           <a:xfrm>
-            <a:off x="4398699" y="3199025"/>
+            <a:off x="5477430" y="3136966"/>
             <a:ext cx="1008112" cy="245348"/>
           </a:xfrm>
           <a:prstGeom prst="flowChartDecision">
@@ -12620,7 +12620,7 @@
         </p:nvCxnSpPr>
         <p:spPr>
           <a:xfrm>
-            <a:off x="4902755" y="3444373"/>
+            <a:off x="5981486" y="3382314"/>
             <a:ext cx="0" cy="182608"/>
           </a:xfrm>
           <a:prstGeom prst="straightConnector1">
@@ -12670,7 +12670,7 @@
         </p:nvCxnSpPr>
         <p:spPr>
           <a:xfrm>
-            <a:off x="4902755" y="3872329"/>
+            <a:off x="5981486" y="3810270"/>
             <a:ext cx="0" cy="185368"/>
           </a:xfrm>
           <a:prstGeom prst="straightConnector1">
@@ -12719,7 +12719,7 @@
         </p:nvCxnSpPr>
         <p:spPr>
           <a:xfrm>
-            <a:off x="4902755" y="4303045"/>
+            <a:off x="5981486" y="4240986"/>
             <a:ext cx="0" cy="186700"/>
           </a:xfrm>
           <a:prstGeom prst="straightConnector1">
@@ -12765,7 +12765,7 @@
         </p:nvSpPr>
         <p:spPr>
           <a:xfrm>
-            <a:off x="1888229" y="4011586"/>
+            <a:off x="2966960" y="3949527"/>
             <a:ext cx="567784" cy="215444"/>
           </a:xfrm>
           <a:prstGeom prst="rect">
@@ -12804,7 +12804,7 @@
         </p:nvCxnSpPr>
         <p:spPr>
           <a:xfrm>
-            <a:off x="5406811" y="3321699"/>
+            <a:off x="6485542" y="3259640"/>
             <a:ext cx="12700" cy="1290720"/>
           </a:xfrm>
           <a:prstGeom prst="bentConnector3">
@@ -12852,7 +12852,7 @@
         </p:nvSpPr>
         <p:spPr>
           <a:xfrm>
-            <a:off x="4590334" y="3414213"/>
+            <a:off x="5669065" y="3352154"/>
             <a:ext cx="351378" cy="215444"/>
           </a:xfrm>
           <a:prstGeom prst="rect">
@@ -12887,7 +12887,7 @@
         </p:nvSpPr>
         <p:spPr>
           <a:xfrm>
-            <a:off x="5341981" y="3107309"/>
+            <a:off x="6420712" y="3045250"/>
             <a:ext cx="343364" cy="215444"/>
           </a:xfrm>
           <a:prstGeom prst="rect">
@@ -12958,7 +12958,7 @@
         </p:nvSpPr>
         <p:spPr>
           <a:xfrm>
-            <a:off x="2777370" y="3096130"/>
+            <a:off x="3856101" y="3034071"/>
             <a:ext cx="899542" cy="245348"/>
           </a:xfrm>
           <a:prstGeom prst="flowChartProcess">
@@ -13026,7 +13026,7 @@
         </p:nvCxnSpPr>
         <p:spPr>
           <a:xfrm>
-            <a:off x="2711624" y="2574853"/>
+            <a:off x="3790355" y="2512794"/>
             <a:ext cx="515517" cy="521277"/>
           </a:xfrm>
           <a:prstGeom prst="straightConnector1">
@@ -13074,7 +13074,7 @@
         </p:nvCxnSpPr>
         <p:spPr>
           <a:xfrm>
-            <a:off x="3232646" y="3343543"/>
+            <a:off x="4311377" y="3281484"/>
             <a:ext cx="0" cy="430065"/>
           </a:xfrm>
           <a:prstGeom prst="straightConnector1">
@@ -13120,7 +13120,7 @@
         </p:nvSpPr>
         <p:spPr>
           <a:xfrm flipV="1">
-            <a:off x="3104554" y="3834459"/>
+            <a:off x="4183285" y="3772400"/>
             <a:ext cx="238432" cy="230608"/>
           </a:xfrm>
           <a:prstGeom prst="flowChartConnector">
@@ -13176,7 +13176,7 @@
         </p:nvSpPr>
         <p:spPr>
           <a:xfrm>
-            <a:off x="2939878" y="4018956"/>
+            <a:off x="4018609" y="3956897"/>
             <a:ext cx="567784" cy="215444"/>
           </a:xfrm>
           <a:prstGeom prst="rect">
@@ -13211,7 +13211,7 @@
         </p:nvSpPr>
         <p:spPr>
           <a:xfrm>
-            <a:off x="4398699" y="4489745"/>
+            <a:off x="5477430" y="4427686"/>
             <a:ext cx="1008112" cy="245348"/>
           </a:xfrm>
           <a:prstGeom prst="flowChartTerminator">
@@ -13282,7 +13282,7 @@
         </p:nvSpPr>
         <p:spPr>
           <a:xfrm>
-            <a:off x="6591710" y="2348880"/>
+            <a:off x="7670441" y="2286821"/>
             <a:ext cx="1008112" cy="245348"/>
           </a:xfrm>
           <a:prstGeom prst="flowChartProcess">
@@ -13346,7 +13346,7 @@
         </p:nvSpPr>
         <p:spPr>
           <a:xfrm>
-            <a:off x="6591710" y="2780928"/>
+            <a:off x="7670441" y="2718869"/>
             <a:ext cx="1008112" cy="245348"/>
           </a:xfrm>
           <a:prstGeom prst="flowChartProcess">
@@ -13414,7 +13414,7 @@
         </p:nvCxnSpPr>
         <p:spPr>
           <a:xfrm>
-            <a:off x="7095766" y="2594228"/>
+            <a:off x="8174497" y="2532169"/>
             <a:ext cx="0" cy="186700"/>
           </a:xfrm>
           <a:prstGeom prst="straightConnector1">
@@ -13463,7 +13463,7 @@
         </p:nvCxnSpPr>
         <p:spPr>
           <a:xfrm>
-            <a:off x="7095766" y="3026276"/>
+            <a:off x="8174497" y="2964217"/>
             <a:ext cx="0" cy="192124"/>
           </a:xfrm>
           <a:prstGeom prst="straightConnector1">
@@ -13509,7 +13509,7 @@
         </p:nvSpPr>
         <p:spPr>
           <a:xfrm>
-            <a:off x="6587678" y="3237775"/>
+            <a:off x="7666409" y="3175716"/>
             <a:ext cx="1008112" cy="245348"/>
           </a:xfrm>
           <a:prstGeom prst="flowChartTerminator">
@@ -13584,7 +13584,7 @@
         </p:nvCxnSpPr>
         <p:spPr>
           <a:xfrm rot="5400000" flipH="1" flipV="1">
-            <a:off x="4026317" y="1669007"/>
+            <a:off x="5105048" y="1606948"/>
             <a:ext cx="1762846" cy="3367940"/>
           </a:xfrm>
           <a:prstGeom prst="bentConnector4">
@@ -16970,7 +16970,7 @@
           <a:bodyPr/>
           <a:lstStyle/>
           <a:p>
-            <a:endParaRPr lang="ko-KR" altLang="en-US"/>
+            <a:endParaRPr lang="ko-KR" altLang="en-US" dirty="0"/>
           </a:p>
         </p:txBody>
       </p:sp>
@@ -22373,76 +22373,16 @@
         <a:srgbClr val="800080"/>
       </a:folHlink>
     </a:clrScheme>
-    <a:fontScheme name="Office">
+    <a:fontScheme name="사용자 지정 3">
       <a:majorFont>
-        <a:latin typeface="맑은 고딕"/>
-        <a:ea typeface=""/>
+        <a:latin typeface="Montserrat Black"/>
+        <a:ea typeface="Noto Sans KR Black"/>
         <a:cs typeface=""/>
-        <a:font script="Jpan" typeface="ＭＳ Ｐゴシック"/>
-        <a:font script="Hang" typeface="맑은 고딕"/>
-        <a:font script="Hans" typeface="宋体"/>
-        <a:font script="Hant" typeface="新細明體"/>
-        <a:font script="Arab" typeface="Times New Roman"/>
-        <a:font script="Hebr" typeface="Times New Roman"/>
-        <a:font script="Thai" typeface="Angsana New"/>
-        <a:font script="Ethi" typeface="Nyala"/>
-        <a:font script="Beng" typeface="Vrinda"/>
-        <a:font script="Gujr" typeface="Shruti"/>
-        <a:font script="Khmr" typeface="MoolBoran"/>
-        <a:font script="Knda" typeface="Tunga"/>
-        <a:font script="Guru" typeface="Raavi"/>
-        <a:font script="Cans" typeface="Euphemia"/>
-        <a:font script="Cher" typeface="Plantagenet Cherokee"/>
-        <a:font script="Yiii" typeface="Microsoft Yi Baiti"/>
-        <a:font script="Tibt" typeface="Microsoft Himalaya"/>
-        <a:font script="Thaa" typeface="MV Boli"/>
-        <a:font script="Deva" typeface="Mangal"/>
-        <a:font script="Telu" typeface="Gautami"/>
-        <a:font script="Taml" typeface="Latha"/>
-        <a:font script="Syrc" typeface="Estrangelo Edessa"/>
-        <a:font script="Orya" typeface="Kalinga"/>
-        <a:font script="Mlym" typeface="Kartika"/>
-        <a:font script="Laoo" typeface="DokChampa"/>
-        <a:font script="Sinh" typeface="Iskoola Pota"/>
-        <a:font script="Mong" typeface="Mongolian Baiti"/>
-        <a:font script="Viet" typeface="Times New Roman"/>
-        <a:font script="Uigh" typeface="Microsoft Uighur"/>
-        <a:font script="Geor" typeface="Sylfaen"/>
       </a:majorFont>
       <a:minorFont>
-        <a:latin typeface="맑은 고딕"/>
-        <a:ea typeface=""/>
+        <a:latin typeface="Montserrat SemiBold"/>
+        <a:ea typeface="Noto Sans KR"/>
         <a:cs typeface=""/>
-        <a:font script="Jpan" typeface="ＭＳ Ｐゴシック"/>
-        <a:font script="Hang" typeface="맑은 고딕"/>
-        <a:font script="Hans" typeface="宋体"/>
-        <a:font script="Hant" typeface="新細明體"/>
-        <a:font script="Arab" typeface="Arial"/>
-        <a:font script="Hebr" typeface="Arial"/>
-        <a:font script="Thai" typeface="Cordia New"/>
-        <a:font script="Ethi" typeface="Nyala"/>
-        <a:font script="Beng" typeface="Vrinda"/>
-        <a:font script="Gujr" typeface="Shruti"/>
-        <a:font script="Khmr" typeface="DaunPenh"/>
-        <a:font script="Knda" typeface="Tunga"/>
-        <a:font script="Guru" typeface="Raavi"/>
-        <a:font script="Cans" typeface="Euphemia"/>
-        <a:font script="Cher" typeface="Plantagenet Cherokee"/>
-        <a:font script="Yiii" typeface="Microsoft Yi Baiti"/>
-        <a:font script="Tibt" typeface="Microsoft Himalaya"/>
-        <a:font script="Thaa" typeface="MV Boli"/>
-        <a:font script="Deva" typeface="Mangal"/>
-        <a:font script="Telu" typeface="Gautami"/>
-        <a:font script="Taml" typeface="Latha"/>
-        <a:font script="Syrc" typeface="Estrangelo Edessa"/>
-        <a:font script="Orya" typeface="Kalinga"/>
-        <a:font script="Mlym" typeface="Kartika"/>
-        <a:font script="Laoo" typeface="DokChampa"/>
-        <a:font script="Sinh" typeface="Iskoola Pota"/>
-        <a:font script="Mong" typeface="Mongolian Baiti"/>
-        <a:font script="Viet" typeface="Arial"/>
-        <a:font script="Uigh" typeface="Microsoft Uighur"/>
-        <a:font script="Geor" typeface="Sylfaen"/>
       </a:minorFont>
     </a:fontScheme>
     <a:fmtScheme name="Office">

--- a/docs/화면_설계서.pptx
+++ b/docs/화면_설계서.pptx
@@ -4167,7 +4167,7 @@
           <a:p>
             <a:fld id="{98FBB39A-9110-43FD-8DF2-684D1523A0BC}" type="datetime1">
               <a:rPr lang="ko-KR" altLang="en-US" smtClean="0"/>
-              <a:t>2022-11-28</a:t>
+              <a:t>2022-11-24</a:t>
             </a:fld>
             <a:endParaRPr lang="ko-KR" altLang="en-US"/>
           </a:p>
@@ -10151,7 +10151,7 @@
         </p:nvGraphicFramePr>
         <p:xfrm>
           <a:off x="1055440" y="1268760"/>
-          <a:ext cx="9796258" cy="3070481"/>
+          <a:ext cx="9796258" cy="3068131"/>
         </p:xfrm>
         <a:graphic>
           <a:graphicData uri="http://schemas.openxmlformats.org/drawingml/2006/table">
@@ -11322,13 +11322,13 @@
           <p:nvPr>
             <p:extLst>
               <p:ext uri="{D42A27DB-BD31-4B8C-83A1-F6EECF244321}">
-                <p14:modId xmlns:p14="http://schemas.microsoft.com/office/powerpoint/2010/main" val="2349588495"/>
+                <p14:modId xmlns:p14="http://schemas.microsoft.com/office/powerpoint/2010/main" val="1290010813"/>
               </p:ext>
             </p:extLst>
           </p:nvPr>
         </p:nvGraphicFramePr>
         <p:xfrm>
-          <a:off x="2711624" y="1628800"/>
+          <a:off x="1632893" y="1690859"/>
           <a:ext cx="6580017" cy="3960440"/>
         </p:xfrm>
         <a:graphic>
@@ -11838,7 +11838,7 @@
         </p:nvSpPr>
         <p:spPr>
           <a:xfrm>
-            <a:off x="3286299" y="2267446"/>
+            <a:off x="2207568" y="2329505"/>
             <a:ext cx="1008112" cy="245348"/>
           </a:xfrm>
           <a:prstGeom prst="flowChartTerminator">
@@ -11909,7 +11909,7 @@
         </p:nvSpPr>
         <p:spPr>
           <a:xfrm>
-            <a:off x="2809956" y="3028766"/>
+            <a:off x="1731225" y="3090825"/>
             <a:ext cx="899543" cy="245348"/>
           </a:xfrm>
           <a:prstGeom prst="flowChartProcess">
@@ -11977,7 +11977,7 @@
         </p:nvCxnSpPr>
         <p:spPr>
           <a:xfrm flipH="1">
-            <a:off x="3259728" y="2512794"/>
+            <a:off x="2180997" y="2574853"/>
             <a:ext cx="530627" cy="515972"/>
           </a:xfrm>
           <a:prstGeom prst="straightConnector1">
@@ -12026,7 +12026,7 @@
         </p:nvCxnSpPr>
         <p:spPr>
           <a:xfrm>
-            <a:off x="3259728" y="3274114"/>
+            <a:off x="2180997" y="3336173"/>
             <a:ext cx="0" cy="430065"/>
           </a:xfrm>
           <a:prstGeom prst="straightConnector1">
@@ -12072,7 +12072,7 @@
         </p:nvSpPr>
         <p:spPr>
           <a:xfrm flipV="1">
-            <a:off x="3131636" y="3765030"/>
+            <a:off x="2052905" y="3827089"/>
             <a:ext cx="238432" cy="230608"/>
           </a:xfrm>
           <a:prstGeom prst="flowChartConnector">
@@ -12128,7 +12128,7 @@
         </p:nvSpPr>
         <p:spPr>
           <a:xfrm>
-            <a:off x="5477430" y="2267446"/>
+            <a:off x="4398699" y="2329505"/>
             <a:ext cx="1008112" cy="245348"/>
           </a:xfrm>
           <a:prstGeom prst="flowChartProcess">
@@ -12195,7 +12195,7 @@
         </p:nvCxnSpPr>
         <p:spPr>
           <a:xfrm rot="5400000" flipH="1" flipV="1">
-            <a:off x="3470923" y="2170049"/>
+            <a:off x="2392192" y="2232108"/>
             <a:ext cx="1774850" cy="2214993"/>
           </a:xfrm>
           <a:prstGeom prst="bentConnector4">
@@ -12244,7 +12244,7 @@
         </p:nvSpPr>
         <p:spPr>
           <a:xfrm>
-            <a:off x="5477430" y="2699494"/>
+            <a:off x="4398699" y="2761553"/>
             <a:ext cx="1008112" cy="245348"/>
           </a:xfrm>
           <a:prstGeom prst="flowChartProcess">
@@ -12308,7 +12308,7 @@
         </p:nvSpPr>
         <p:spPr>
           <a:xfrm>
-            <a:off x="5477430" y="3564922"/>
+            <a:off x="4398699" y="3626981"/>
             <a:ext cx="1008112" cy="245348"/>
           </a:xfrm>
           <a:prstGeom prst="flowChartProcess">
@@ -12372,7 +12372,7 @@
         </p:nvSpPr>
         <p:spPr>
           <a:xfrm>
-            <a:off x="5477430" y="3995638"/>
+            <a:off x="4398699" y="4057697"/>
             <a:ext cx="1008112" cy="245348"/>
           </a:xfrm>
           <a:prstGeom prst="flowChartProcess">
@@ -12440,7 +12440,7 @@
         </p:nvCxnSpPr>
         <p:spPr>
           <a:xfrm>
-            <a:off x="5981486" y="2512794"/>
+            <a:off x="4902755" y="2574853"/>
             <a:ext cx="0" cy="186700"/>
           </a:xfrm>
           <a:prstGeom prst="straightConnector1">
@@ -12490,7 +12490,7 @@
         </p:nvCxnSpPr>
         <p:spPr>
           <a:xfrm>
-            <a:off x="5981486" y="2944842"/>
+            <a:off x="4902755" y="3006901"/>
             <a:ext cx="0" cy="192124"/>
           </a:xfrm>
           <a:prstGeom prst="straightConnector1">
@@ -12536,7 +12536,7 @@
         </p:nvSpPr>
         <p:spPr>
           <a:xfrm>
-            <a:off x="5477430" y="3136966"/>
+            <a:off x="4398699" y="3199025"/>
             <a:ext cx="1008112" cy="245348"/>
           </a:xfrm>
           <a:prstGeom prst="flowChartDecision">
@@ -12620,7 +12620,7 @@
         </p:nvCxnSpPr>
         <p:spPr>
           <a:xfrm>
-            <a:off x="5981486" y="3382314"/>
+            <a:off x="4902755" y="3444373"/>
             <a:ext cx="0" cy="182608"/>
           </a:xfrm>
           <a:prstGeom prst="straightConnector1">
@@ -12670,7 +12670,7 @@
         </p:nvCxnSpPr>
         <p:spPr>
           <a:xfrm>
-            <a:off x="5981486" y="3810270"/>
+            <a:off x="4902755" y="3872329"/>
             <a:ext cx="0" cy="185368"/>
           </a:xfrm>
           <a:prstGeom prst="straightConnector1">
@@ -12719,7 +12719,7 @@
         </p:nvCxnSpPr>
         <p:spPr>
           <a:xfrm>
-            <a:off x="5981486" y="4240986"/>
+            <a:off x="4902755" y="4303045"/>
             <a:ext cx="0" cy="186700"/>
           </a:xfrm>
           <a:prstGeom prst="straightConnector1">
@@ -12765,7 +12765,7 @@
         </p:nvSpPr>
         <p:spPr>
           <a:xfrm>
-            <a:off x="2966960" y="3949527"/>
+            <a:off x="1888229" y="4011586"/>
             <a:ext cx="567784" cy="215444"/>
           </a:xfrm>
           <a:prstGeom prst="rect">
@@ -12804,7 +12804,7 @@
         </p:nvCxnSpPr>
         <p:spPr>
           <a:xfrm>
-            <a:off x="6485542" y="3259640"/>
+            <a:off x="5406811" y="3321699"/>
             <a:ext cx="12700" cy="1290720"/>
           </a:xfrm>
           <a:prstGeom prst="bentConnector3">
@@ -12852,7 +12852,7 @@
         </p:nvSpPr>
         <p:spPr>
           <a:xfrm>
-            <a:off x="5669065" y="3352154"/>
+            <a:off x="4590334" y="3414213"/>
             <a:ext cx="351378" cy="215444"/>
           </a:xfrm>
           <a:prstGeom prst="rect">
@@ -12887,7 +12887,7 @@
         </p:nvSpPr>
         <p:spPr>
           <a:xfrm>
-            <a:off x="6420712" y="3045250"/>
+            <a:off x="5341981" y="3107309"/>
             <a:ext cx="343364" cy="215444"/>
           </a:xfrm>
           <a:prstGeom prst="rect">
@@ -12958,7 +12958,7 @@
         </p:nvSpPr>
         <p:spPr>
           <a:xfrm>
-            <a:off x="3856101" y="3034071"/>
+            <a:off x="2777370" y="3096130"/>
             <a:ext cx="899542" cy="245348"/>
           </a:xfrm>
           <a:prstGeom prst="flowChartProcess">
@@ -13026,7 +13026,7 @@
         </p:nvCxnSpPr>
         <p:spPr>
           <a:xfrm>
-            <a:off x="3790355" y="2512794"/>
+            <a:off x="2711624" y="2574853"/>
             <a:ext cx="515517" cy="521277"/>
           </a:xfrm>
           <a:prstGeom prst="straightConnector1">
@@ -13074,7 +13074,7 @@
         </p:nvCxnSpPr>
         <p:spPr>
           <a:xfrm>
-            <a:off x="4311377" y="3281484"/>
+            <a:off x="3232646" y="3343543"/>
             <a:ext cx="0" cy="430065"/>
           </a:xfrm>
           <a:prstGeom prst="straightConnector1">
@@ -13120,7 +13120,7 @@
         </p:nvSpPr>
         <p:spPr>
           <a:xfrm flipV="1">
-            <a:off x="4183285" y="3772400"/>
+            <a:off x="3104554" y="3834459"/>
             <a:ext cx="238432" cy="230608"/>
           </a:xfrm>
           <a:prstGeom prst="flowChartConnector">
@@ -13176,7 +13176,7 @@
         </p:nvSpPr>
         <p:spPr>
           <a:xfrm>
-            <a:off x="4018609" y="3956897"/>
+            <a:off x="2939878" y="4018956"/>
             <a:ext cx="567784" cy="215444"/>
           </a:xfrm>
           <a:prstGeom prst="rect">
@@ -13211,7 +13211,7 @@
         </p:nvSpPr>
         <p:spPr>
           <a:xfrm>
-            <a:off x="5477430" y="4427686"/>
+            <a:off x="4398699" y="4489745"/>
             <a:ext cx="1008112" cy="245348"/>
           </a:xfrm>
           <a:prstGeom prst="flowChartTerminator">
@@ -13282,7 +13282,7 @@
         </p:nvSpPr>
         <p:spPr>
           <a:xfrm>
-            <a:off x="7670441" y="2286821"/>
+            <a:off x="6591710" y="2348880"/>
             <a:ext cx="1008112" cy="245348"/>
           </a:xfrm>
           <a:prstGeom prst="flowChartProcess">
@@ -13346,7 +13346,7 @@
         </p:nvSpPr>
         <p:spPr>
           <a:xfrm>
-            <a:off x="7670441" y="2718869"/>
+            <a:off x="6591710" y="2780928"/>
             <a:ext cx="1008112" cy="245348"/>
           </a:xfrm>
           <a:prstGeom prst="flowChartProcess">
@@ -13414,7 +13414,7 @@
         </p:nvCxnSpPr>
         <p:spPr>
           <a:xfrm>
-            <a:off x="8174497" y="2532169"/>
+            <a:off x="7095766" y="2594228"/>
             <a:ext cx="0" cy="186700"/>
           </a:xfrm>
           <a:prstGeom prst="straightConnector1">
@@ -13463,7 +13463,7 @@
         </p:nvCxnSpPr>
         <p:spPr>
           <a:xfrm>
-            <a:off x="8174497" y="2964217"/>
+            <a:off x="7095766" y="3026276"/>
             <a:ext cx="0" cy="192124"/>
           </a:xfrm>
           <a:prstGeom prst="straightConnector1">
@@ -13509,7 +13509,7 @@
         </p:nvSpPr>
         <p:spPr>
           <a:xfrm>
-            <a:off x="7666409" y="3175716"/>
+            <a:off x="6587678" y="3237775"/>
             <a:ext cx="1008112" cy="245348"/>
           </a:xfrm>
           <a:prstGeom prst="flowChartTerminator">
@@ -13584,7 +13584,7 @@
         </p:nvCxnSpPr>
         <p:spPr>
           <a:xfrm rot="5400000" flipH="1" flipV="1">
-            <a:off x="5105048" y="1606948"/>
+            <a:off x="4026317" y="1669007"/>
             <a:ext cx="1762846" cy="3367940"/>
           </a:xfrm>
           <a:prstGeom prst="bentConnector4">
@@ -16970,7 +16970,7 @@
           <a:bodyPr/>
           <a:lstStyle/>
           <a:p>
-            <a:endParaRPr lang="ko-KR" altLang="en-US" dirty="0"/>
+            <a:endParaRPr lang="ko-KR" altLang="en-US"/>
           </a:p>
         </p:txBody>
       </p:sp>
@@ -22373,16 +22373,76 @@
         <a:srgbClr val="800080"/>
       </a:folHlink>
     </a:clrScheme>
-    <a:fontScheme name="사용자 지정 3">
+    <a:fontScheme name="Office">
       <a:majorFont>
-        <a:latin typeface="Montserrat Black"/>
-        <a:ea typeface="Noto Sans KR Black"/>
+        <a:latin typeface="맑은 고딕"/>
+        <a:ea typeface=""/>
         <a:cs typeface=""/>
+        <a:font script="Jpan" typeface="ＭＳ Ｐゴシック"/>
+        <a:font script="Hang" typeface="맑은 고딕"/>
+        <a:font script="Hans" typeface="宋体"/>
+        <a:font script="Hant" typeface="新細明體"/>
+        <a:font script="Arab" typeface="Times New Roman"/>
+        <a:font script="Hebr" typeface="Times New Roman"/>
+        <a:font script="Thai" typeface="Angsana New"/>
+        <a:font script="Ethi" typeface="Nyala"/>
+        <a:font script="Beng" typeface="Vrinda"/>
+        <a:font script="Gujr" typeface="Shruti"/>
+        <a:font script="Khmr" typeface="MoolBoran"/>
+        <a:font script="Knda" typeface="Tunga"/>
+        <a:font script="Guru" typeface="Raavi"/>
+        <a:font script="Cans" typeface="Euphemia"/>
+        <a:font script="Cher" typeface="Plantagenet Cherokee"/>
+        <a:font script="Yiii" typeface="Microsoft Yi Baiti"/>
+        <a:font script="Tibt" typeface="Microsoft Himalaya"/>
+        <a:font script="Thaa" typeface="MV Boli"/>
+        <a:font script="Deva" typeface="Mangal"/>
+        <a:font script="Telu" typeface="Gautami"/>
+        <a:font script="Taml" typeface="Latha"/>
+        <a:font script="Syrc" typeface="Estrangelo Edessa"/>
+        <a:font script="Orya" typeface="Kalinga"/>
+        <a:font script="Mlym" typeface="Kartika"/>
+        <a:font script="Laoo" typeface="DokChampa"/>
+        <a:font script="Sinh" typeface="Iskoola Pota"/>
+        <a:font script="Mong" typeface="Mongolian Baiti"/>
+        <a:font script="Viet" typeface="Times New Roman"/>
+        <a:font script="Uigh" typeface="Microsoft Uighur"/>
+        <a:font script="Geor" typeface="Sylfaen"/>
       </a:majorFont>
       <a:minorFont>
-        <a:latin typeface="Montserrat SemiBold"/>
-        <a:ea typeface="Noto Sans KR"/>
+        <a:latin typeface="맑은 고딕"/>
+        <a:ea typeface=""/>
         <a:cs typeface=""/>
+        <a:font script="Jpan" typeface="ＭＳ Ｐゴシック"/>
+        <a:font script="Hang" typeface="맑은 고딕"/>
+        <a:font script="Hans" typeface="宋体"/>
+        <a:font script="Hant" typeface="新細明體"/>
+        <a:font script="Arab" typeface="Arial"/>
+        <a:font script="Hebr" typeface="Arial"/>
+        <a:font script="Thai" typeface="Cordia New"/>
+        <a:font script="Ethi" typeface="Nyala"/>
+        <a:font script="Beng" typeface="Vrinda"/>
+        <a:font script="Gujr" typeface="Shruti"/>
+        <a:font script="Khmr" typeface="DaunPenh"/>
+        <a:font script="Knda" typeface="Tunga"/>
+        <a:font script="Guru" typeface="Raavi"/>
+        <a:font script="Cans" typeface="Euphemia"/>
+        <a:font script="Cher" typeface="Plantagenet Cherokee"/>
+        <a:font script="Yiii" typeface="Microsoft Yi Baiti"/>
+        <a:font script="Tibt" typeface="Microsoft Himalaya"/>
+        <a:font script="Thaa" typeface="MV Boli"/>
+        <a:font script="Deva" typeface="Mangal"/>
+        <a:font script="Telu" typeface="Gautami"/>
+        <a:font script="Taml" typeface="Latha"/>
+        <a:font script="Syrc" typeface="Estrangelo Edessa"/>
+        <a:font script="Orya" typeface="Kalinga"/>
+        <a:font script="Mlym" typeface="Kartika"/>
+        <a:font script="Laoo" typeface="DokChampa"/>
+        <a:font script="Sinh" typeface="Iskoola Pota"/>
+        <a:font script="Mong" typeface="Mongolian Baiti"/>
+        <a:font script="Viet" typeface="Arial"/>
+        <a:font script="Uigh" typeface="Microsoft Uighur"/>
+        <a:font script="Geor" typeface="Sylfaen"/>
       </a:minorFont>
     </a:fontScheme>
     <a:fmtScheme name="Office">
